--- a/Week3/2022_10_6.pptx
+++ b/Week3/2022_10_6.pptx
@@ -5,10 +5,10 @@
     <p:sldMasterId id="2147483648" r:id="rId1"/>
   </p:sldMasterIdLst>
   <p:notesMasterIdLst>
-    <p:notesMasterId r:id="rId13"/>
+    <p:notesMasterId r:id="rId14"/>
   </p:notesMasterIdLst>
   <p:handoutMasterIdLst>
-    <p:handoutMasterId r:id="rId14"/>
+    <p:handoutMasterId r:id="rId15"/>
   </p:handoutMasterIdLst>
   <p:sldIdLst>
     <p:sldId id="256" r:id="rId2"/>
@@ -21,7 +21,8 @@
     <p:sldId id="275" r:id="rId9"/>
     <p:sldId id="276" r:id="rId10"/>
     <p:sldId id="277" r:id="rId11"/>
-    <p:sldId id="278" r:id="rId12"/>
+    <p:sldId id="280" r:id="rId12"/>
+    <p:sldId id="278" r:id="rId13"/>
   </p:sldIdLst>
   <p:sldSz cx="12192000" cy="6858000"/>
   <p:notesSz cx="6858000" cy="9144000"/>
@@ -147,6 +148,7 @@
         <p14:section name="Details in model.py" id="{BFBB155C-97F2-4337-ADF3-383AD78656C7}">
           <p14:sldIdLst>
             <p14:sldId id="277"/>
+            <p14:sldId id="280"/>
           </p14:sldIdLst>
         </p14:section>
         <p14:section name="Final" id="{DA54A8D3-DB15-44EF-9936-4A644E4DDDC5}">
@@ -260,7 +262,7 @@
           <a:p>
             <a:fld id="{87410331-3086-4145-A41B-DCA1D7A78317}" type="datetimeFigureOut">
               <a:rPr lang="zh-TW" altLang="en-US" smtClean="0"/>
-              <a:t>2022/10/5</a:t>
+              <a:t>2022/10/6</a:t>
             </a:fld>
             <a:endParaRPr lang="zh-TW" altLang="en-US"/>
           </a:p>
@@ -437,7 +439,7 @@
           <a:p>
             <a:fld id="{FF3D4F38-1AAA-40D3-9BB2-E3C2842A9C68}" type="datetimeFigureOut">
               <a:rPr lang="zh-TW" altLang="en-US" smtClean="0"/>
-              <a:t>2022/10/5</a:t>
+              <a:t>2022/10/6</a:t>
             </a:fld>
             <a:endParaRPr lang="zh-TW" altLang="en-US"/>
           </a:p>
@@ -867,7 +869,7 @@
           <a:p>
             <a:fld id="{58004DF9-B78D-413C-8271-AD0D2EE67D94}" type="datetime1">
               <a:rPr lang="zh-TW" altLang="en-US" smtClean="0"/>
-              <a:t>2022/10/5</a:t>
+              <a:t>2022/10/6</a:t>
             </a:fld>
             <a:endParaRPr lang="zh-TW" altLang="en-US" dirty="0"/>
           </a:p>
@@ -1236,7 +1238,7 @@
           <a:p>
             <a:fld id="{ECCA9AFF-ADDA-4A85-AB63-AFAF208F5F66}" type="datetime1">
               <a:rPr lang="zh-TW" altLang="en-US" smtClean="0"/>
-              <a:t>2022/10/5</a:t>
+              <a:t>2022/10/6</a:t>
             </a:fld>
             <a:endParaRPr lang="zh-TW" altLang="en-US"/>
           </a:p>
@@ -1444,7 +1446,7 @@
           <a:p>
             <a:fld id="{3FBDB121-E86B-4CF4-A809-8ED7A8837839}" type="datetime1">
               <a:rPr lang="zh-TW" altLang="en-US" smtClean="0"/>
-              <a:t>2022/10/5</a:t>
+              <a:t>2022/10/6</a:t>
             </a:fld>
             <a:endParaRPr lang="zh-TW" altLang="en-US"/>
           </a:p>
@@ -1869,7 +1871,7 @@
             <a:fld id="{0D9794F2-7A32-4AF5-A6FC-04C5045CBE0D}" type="datetime1">
               <a:rPr lang="zh-TW" altLang="en-US" smtClean="0"/>
               <a:pPr/>
-              <a:t>2022/10/5</a:t>
+              <a:t>2022/10/6</a:t>
             </a:fld>
             <a:endParaRPr lang="zh-TW" altLang="en-US"/>
           </a:p>
@@ -2164,7 +2166,7 @@
           <a:p>
             <a:fld id="{4B981AB6-E0A8-4B98-96C7-063EE72E5085}" type="datetime1">
               <a:rPr lang="zh-TW" altLang="en-US" smtClean="0"/>
-              <a:t>2022/10/5</a:t>
+              <a:t>2022/10/6</a:t>
             </a:fld>
             <a:endParaRPr lang="zh-TW" altLang="en-US"/>
           </a:p>
@@ -2429,7 +2431,7 @@
           <a:p>
             <a:fld id="{6E395EA6-F50D-4067-9944-32C31AA087D6}" type="datetime1">
               <a:rPr lang="zh-TW" altLang="en-US" smtClean="0"/>
-              <a:t>2022/10/5</a:t>
+              <a:t>2022/10/6</a:t>
             </a:fld>
             <a:endParaRPr lang="zh-TW" altLang="en-US"/>
           </a:p>
@@ -2841,7 +2843,7 @@
           <a:p>
             <a:fld id="{E67BBF1D-4116-449D-B7FF-C78C53B2F832}" type="datetime1">
               <a:rPr lang="zh-TW" altLang="en-US" smtClean="0"/>
-              <a:t>2022/10/5</a:t>
+              <a:t>2022/10/6</a:t>
             </a:fld>
             <a:endParaRPr lang="zh-TW" altLang="en-US"/>
           </a:p>
@@ -2982,7 +2984,7 @@
           <a:p>
             <a:fld id="{BEC4EE83-9BDA-4F46-92F8-FD41BE70C78A}" type="datetime1">
               <a:rPr lang="zh-TW" altLang="en-US" smtClean="0"/>
-              <a:t>2022/10/5</a:t>
+              <a:t>2022/10/6</a:t>
             </a:fld>
             <a:endParaRPr lang="zh-TW" altLang="en-US"/>
           </a:p>
@@ -3095,7 +3097,7 @@
           <a:p>
             <a:fld id="{0F3159DF-3434-46C5-A6D3-DD1061BF4451}" type="datetime1">
               <a:rPr lang="zh-TW" altLang="en-US" smtClean="0"/>
-              <a:t>2022/10/5</a:t>
+              <a:t>2022/10/6</a:t>
             </a:fld>
             <a:endParaRPr lang="zh-TW" altLang="en-US"/>
           </a:p>
@@ -3406,7 +3408,7 @@
           <a:p>
             <a:fld id="{9D496694-6D33-4791-BA63-8B67513CA3C3}" type="datetime1">
               <a:rPr lang="zh-TW" altLang="en-US" smtClean="0"/>
-              <a:t>2022/10/5</a:t>
+              <a:t>2022/10/6</a:t>
             </a:fld>
             <a:endParaRPr lang="zh-TW" altLang="en-US"/>
           </a:p>
@@ -3694,7 +3696,7 @@
           <a:p>
             <a:fld id="{1AD0F6B5-0668-4984-9F66-B5B3E90FC8D0}" type="datetime1">
               <a:rPr lang="zh-TW" altLang="en-US" smtClean="0"/>
-              <a:t>2022/10/5</a:t>
+              <a:t>2022/10/6</a:t>
             </a:fld>
             <a:endParaRPr lang="zh-TW" altLang="en-US"/>
           </a:p>
@@ -3935,7 +3937,7 @@
           <a:p>
             <a:fld id="{4137E765-6DD8-458B-B6F1-32A757D837CE}" type="datetime1">
               <a:rPr lang="zh-TW" altLang="en-US" smtClean="0"/>
-              <a:t>2022/10/5</a:t>
+              <a:t>2022/10/6</a:t>
             </a:fld>
             <a:endParaRPr lang="zh-TW" altLang="en-US"/>
           </a:p>
@@ -4680,6 +4682,71 @@
               <a:rPr lang="en-US" altLang="zh-TW" dirty="0"/>
               <a:t>What do other arguments mean?</a:t>
             </a:r>
+          </a:p>
+          <a:p>
+            <a:pPr marL="0" indent="0">
+              <a:buNone/>
+            </a:pPr>
+            <a:r>
+              <a:rPr lang="en-US" altLang="zh-TW" dirty="0"/>
+              <a:t>python model.py 1 1 100(water) 10(NaCl)</a:t>
+            </a:r>
+          </a:p>
+          <a:p>
+            <a:r>
+              <a:rPr lang="en-US" altLang="zh-TW" dirty="0" err="1"/>
+              <a:t>Packmol</a:t>
+            </a:r>
+            <a:endParaRPr lang="en-US" altLang="zh-TW" dirty="0"/>
+          </a:p>
+          <a:p>
+            <a:r>
+              <a:rPr lang="en-US" altLang="zh-TW" dirty="0" err="1"/>
+              <a:t>psf</a:t>
+            </a:r>
+            <a:endParaRPr lang="en-US" altLang="zh-TW" dirty="0"/>
+          </a:p>
+          <a:p>
+            <a:r>
+              <a:rPr lang="en-US" altLang="zh-TW" dirty="0"/>
+              <a:t>solvate(</a:t>
+            </a:r>
+            <a:r>
+              <a:rPr lang="en-US" altLang="zh-TW" dirty="0" err="1"/>
+              <a:t>xxxxx,boxsize</a:t>
+            </a:r>
+            <a:r>
+              <a:rPr lang="en-US" altLang="zh-TW" dirty="0"/>
+              <a:t>)</a:t>
+            </a:r>
+          </a:p>
+          <a:p>
+            <a:r>
+              <a:rPr lang="en-US" altLang="zh-TW" dirty="0"/>
+              <a:t>delete water(</a:t>
+            </a:r>
+            <a:r>
+              <a:rPr lang="en-US" altLang="zh-TW" dirty="0" err="1"/>
+              <a:t>n_water</a:t>
+            </a:r>
+            <a:r>
+              <a:rPr lang="en-US" altLang="zh-TW" dirty="0"/>
+              <a:t>=</a:t>
+            </a:r>
+            <a:r>
+              <a:rPr lang="en-US" altLang="zh-TW" b="1" dirty="0"/>
+              <a:t>110(+22*KEMA)</a:t>
+            </a:r>
+            <a:r>
+              <a:rPr lang="en-US" altLang="zh-TW" dirty="0"/>
+              <a:t>)</a:t>
+            </a:r>
+          </a:p>
+          <a:p>
+            <a:r>
+              <a:rPr lang="en-US" altLang="zh-TW" dirty="0"/>
+              <a:t>ionize(substitute water -&gt; ion , SOD CLA)</a:t>
+            </a:r>
             <a:endParaRPr lang="zh-TW" altLang="en-US" dirty="0"/>
           </a:p>
         </p:txBody>
@@ -4749,7 +4816,7 @@
           <p:cNvPr id="2" name="標題 1">
             <a:extLst>
               <a:ext uri="{FF2B5EF4-FFF2-40B4-BE49-F238E27FC236}">
-                <a16:creationId xmlns:a16="http://schemas.microsoft.com/office/drawing/2014/main" id="{A951AA5B-337B-4830-8B0D-BCAC1023A22C}"/>
+                <a16:creationId xmlns:a16="http://schemas.microsoft.com/office/drawing/2014/main" id="{E367A065-8622-4B10-B4F3-37966C813C1D}"/>
               </a:ext>
             </a:extLst>
           </p:cNvPr>
@@ -4765,45 +4832,81 @@
           <a:bodyPr/>
           <a:lstStyle/>
           <a:p>
+            <a:endParaRPr lang="zh-TW" altLang="en-US"/>
+          </a:p>
+        </p:txBody>
+      </p:sp>
+      <p:sp>
+        <p:nvSpPr>
+          <p:cNvPr id="3" name="內容版面配置區 2">
+            <a:extLst>
+              <a:ext uri="{FF2B5EF4-FFF2-40B4-BE49-F238E27FC236}">
+                <a16:creationId xmlns:a16="http://schemas.microsoft.com/office/drawing/2014/main" id="{370336FC-E6E3-4032-9AA3-0BBCE72A1FFD}"/>
+              </a:ext>
+            </a:extLst>
+          </p:cNvPr>
+          <p:cNvSpPr>
+            <a:spLocks noGrp="1"/>
+          </p:cNvSpPr>
+          <p:nvPr>
+            <p:ph idx="1"/>
+          </p:nvPr>
+        </p:nvSpPr>
+        <p:spPr/>
+        <p:txBody>
+          <a:bodyPr/>
+          <a:lstStyle/>
+          <a:p>
             <a:r>
               <a:rPr lang="en-US" altLang="zh-TW" dirty="0"/>
-              <a:t>Next week</a:t>
+              <a:t>KEMA </a:t>
+            </a:r>
+            <a:r>
+              <a:rPr lang="zh-TW" altLang="en-US" dirty="0"/>
+              <a:t>自帶</a:t>
+            </a:r>
+            <a:r>
+              <a:rPr lang="en-US" altLang="zh-TW" dirty="0"/>
+              <a:t>-22e</a:t>
+            </a:r>
+          </a:p>
+          <a:p>
+            <a:r>
+              <a:rPr lang="zh-TW" altLang="en-US" dirty="0"/>
+              <a:t>如果</a:t>
+            </a:r>
+            <a:r>
+              <a:rPr lang="en-US" altLang="zh-TW" dirty="0"/>
+              <a:t> 1KEMA   0 NaCl</a:t>
+            </a:r>
+          </a:p>
+          <a:p>
+            <a:r>
+              <a:rPr lang="en-US" altLang="zh-TW" dirty="0"/>
+              <a:t>ionized(MA=22 CLA=0)</a:t>
+            </a:r>
+          </a:p>
+          <a:p>
+            <a:endParaRPr lang="en-US" altLang="zh-TW" dirty="0"/>
+          </a:p>
+          <a:p>
+            <a:r>
+              <a:rPr lang="zh-TW" altLang="en-US" dirty="0"/>
+              <a:t>如果</a:t>
+            </a:r>
+            <a:r>
+              <a:rPr lang="en-US" altLang="zh-TW" dirty="0"/>
+              <a:t> 1KEMA   10 NaCl</a:t>
+            </a:r>
+          </a:p>
+          <a:p>
+            <a:r>
+              <a:rPr lang="en-US" altLang="zh-TW" dirty="0"/>
+              <a:t>ionized(NA=32 CLA=10)</a:t>
             </a:r>
             <a:endParaRPr lang="zh-TW" altLang="en-US" dirty="0"/>
           </a:p>
-        </p:txBody>
-      </p:sp>
-      <p:sp>
-        <p:nvSpPr>
-          <p:cNvPr id="3" name="內容版面配置區 2">
-            <a:extLst>
-              <a:ext uri="{FF2B5EF4-FFF2-40B4-BE49-F238E27FC236}">
-                <a16:creationId xmlns:a16="http://schemas.microsoft.com/office/drawing/2014/main" id="{329BEF45-947D-4C17-863C-C7DFB9F0FF4C}"/>
-              </a:ext>
-            </a:extLst>
-          </p:cNvPr>
-          <p:cNvSpPr>
-            <a:spLocks noGrp="1"/>
-          </p:cNvSpPr>
-          <p:nvPr>
-            <p:ph idx="1"/>
-          </p:nvPr>
-        </p:nvSpPr>
-        <p:spPr/>
-        <p:txBody>
-          <a:bodyPr/>
-          <a:lstStyle/>
-          <a:p>
-            <a:r>
-              <a:rPr lang="en-US" altLang="zh-TW" dirty="0"/>
-              <a:t>How we create the input alpha-keratin fragments?</a:t>
-            </a:r>
-          </a:p>
-          <a:p>
-            <a:r>
-              <a:rPr lang="en-US" altLang="zh-TW" dirty="0"/>
-              <a:t>How we revise the topology file (dictionary) and the parameter files?</a:t>
-            </a:r>
+          <a:p>
             <a:endParaRPr lang="zh-TW" altLang="en-US" dirty="0"/>
           </a:p>
         </p:txBody>
@@ -4813,7 +4916,7 @@
           <p:cNvPr id="4" name="投影片編號版面配置區 3">
             <a:extLst>
               <a:ext uri="{FF2B5EF4-FFF2-40B4-BE49-F238E27FC236}">
-                <a16:creationId xmlns:a16="http://schemas.microsoft.com/office/drawing/2014/main" id="{39E7B2DF-9B19-4A1B-B683-E86414178134}"/>
+                <a16:creationId xmlns:a16="http://schemas.microsoft.com/office/drawing/2014/main" id="{72E0506D-61E6-492A-8EBF-63EE31C411CD}"/>
               </a:ext>
             </a:extLst>
           </p:cNvPr>
@@ -4833,6 +4936,130 @@
               <a:rPr lang="zh-TW" altLang="en-US" smtClean="0"/>
               <a:pPr/>
               <a:t>11</a:t>
+            </a:fld>
+            <a:endParaRPr lang="zh-TW" altLang="en-US"/>
+          </a:p>
+        </p:txBody>
+      </p:sp>
+    </p:spTree>
+    <p:extLst>
+      <p:ext uri="{BB962C8B-B14F-4D97-AF65-F5344CB8AC3E}">
+        <p14:creationId xmlns:p14="http://schemas.microsoft.com/office/powerpoint/2010/main" val="3711997625"/>
+      </p:ext>
+    </p:extLst>
+  </p:cSld>
+  <p:clrMapOvr>
+    <a:masterClrMapping/>
+  </p:clrMapOvr>
+</p:sld>
+</file>
+
+<file path=ppt/slides/slide12.xml><?xml version="1.0" encoding="utf-8"?>
+<p:sld xmlns:a="http://schemas.openxmlformats.org/drawingml/2006/main" xmlns:r="http://schemas.openxmlformats.org/officeDocument/2006/relationships" xmlns:p="http://schemas.openxmlformats.org/presentationml/2006/main">
+  <p:cSld>
+    <p:spTree>
+      <p:nvGrpSpPr>
+        <p:cNvPr id="1" name=""/>
+        <p:cNvGrpSpPr/>
+        <p:nvPr/>
+      </p:nvGrpSpPr>
+      <p:grpSpPr>
+        <a:xfrm>
+          <a:off x="0" y="0"/>
+          <a:ext cx="0" cy="0"/>
+          <a:chOff x="0" y="0"/>
+          <a:chExt cx="0" cy="0"/>
+        </a:xfrm>
+      </p:grpSpPr>
+      <p:sp>
+        <p:nvSpPr>
+          <p:cNvPr id="2" name="標題 1">
+            <a:extLst>
+              <a:ext uri="{FF2B5EF4-FFF2-40B4-BE49-F238E27FC236}">
+                <a16:creationId xmlns:a16="http://schemas.microsoft.com/office/drawing/2014/main" id="{A951AA5B-337B-4830-8B0D-BCAC1023A22C}"/>
+              </a:ext>
+            </a:extLst>
+          </p:cNvPr>
+          <p:cNvSpPr>
+            <a:spLocks noGrp="1"/>
+          </p:cNvSpPr>
+          <p:nvPr>
+            <p:ph type="title"/>
+          </p:nvPr>
+        </p:nvSpPr>
+        <p:spPr/>
+        <p:txBody>
+          <a:bodyPr/>
+          <a:lstStyle/>
+          <a:p>
+            <a:r>
+              <a:rPr lang="en-US" altLang="zh-TW" dirty="0"/>
+              <a:t>Next week</a:t>
+            </a:r>
+            <a:endParaRPr lang="zh-TW" altLang="en-US" dirty="0"/>
+          </a:p>
+        </p:txBody>
+      </p:sp>
+      <p:sp>
+        <p:nvSpPr>
+          <p:cNvPr id="3" name="內容版面配置區 2">
+            <a:extLst>
+              <a:ext uri="{FF2B5EF4-FFF2-40B4-BE49-F238E27FC236}">
+                <a16:creationId xmlns:a16="http://schemas.microsoft.com/office/drawing/2014/main" id="{329BEF45-947D-4C17-863C-C7DFB9F0FF4C}"/>
+              </a:ext>
+            </a:extLst>
+          </p:cNvPr>
+          <p:cNvSpPr>
+            <a:spLocks noGrp="1"/>
+          </p:cNvSpPr>
+          <p:nvPr>
+            <p:ph idx="1"/>
+          </p:nvPr>
+        </p:nvSpPr>
+        <p:spPr/>
+        <p:txBody>
+          <a:bodyPr/>
+          <a:lstStyle/>
+          <a:p>
+            <a:r>
+              <a:rPr lang="en-US" altLang="zh-TW" dirty="0"/>
+              <a:t>How we create the input alpha-keratin fragments?</a:t>
+            </a:r>
+          </a:p>
+          <a:p>
+            <a:r>
+              <a:rPr lang="en-US" altLang="zh-TW" dirty="0"/>
+              <a:t>How we revise the topology file (dictionary) and the parameter files?</a:t>
+            </a:r>
+            <a:endParaRPr lang="zh-TW" altLang="en-US" dirty="0"/>
+          </a:p>
+        </p:txBody>
+      </p:sp>
+      <p:sp>
+        <p:nvSpPr>
+          <p:cNvPr id="4" name="投影片編號版面配置區 3">
+            <a:extLst>
+              <a:ext uri="{FF2B5EF4-FFF2-40B4-BE49-F238E27FC236}">
+                <a16:creationId xmlns:a16="http://schemas.microsoft.com/office/drawing/2014/main" id="{39E7B2DF-9B19-4A1B-B683-E86414178134}"/>
+              </a:ext>
+            </a:extLst>
+          </p:cNvPr>
+          <p:cNvSpPr>
+            <a:spLocks noGrp="1"/>
+          </p:cNvSpPr>
+          <p:nvPr>
+            <p:ph type="sldNum" sz="quarter" idx="12"/>
+          </p:nvPr>
+        </p:nvSpPr>
+        <p:spPr/>
+        <p:txBody>
+          <a:bodyPr/>
+          <a:lstStyle/>
+          <a:p>
+            <a:fld id="{D655FB4D-AEA8-4D03-AA44-1955DDF540DA}" type="slidenum">
+              <a:rPr lang="zh-TW" altLang="en-US" smtClean="0"/>
+              <a:pPr/>
+              <a:t>12</a:t>
             </a:fld>
             <a:endParaRPr lang="zh-TW" altLang="en-US"/>
           </a:p>
@@ -5336,12 +5563,60 @@
         </p:nvSpPr>
         <p:spPr/>
         <p:txBody>
-          <a:bodyPr/>
+          <a:bodyPr>
+            <a:normAutofit lnSpcReduction="10000"/>
+          </a:bodyPr>
           <a:lstStyle/>
           <a:p>
             <a:r>
               <a:rPr lang="en-US" altLang="zh-TW" dirty="0" err="1"/>
               <a:t>CgenFF</a:t>
+            </a:r>
+            <a:endParaRPr lang="en-US" altLang="zh-TW" dirty="0"/>
+          </a:p>
+          <a:p>
+            <a:r>
+              <a:rPr lang="en-US" altLang="zh-TW" dirty="0"/>
+              <a:t>Generalized CHARMM</a:t>
+            </a:r>
+          </a:p>
+          <a:p>
+            <a:endParaRPr lang="en-US" altLang="zh-TW" dirty="0"/>
+          </a:p>
+          <a:p>
+            <a:r>
+              <a:rPr lang="en-US" altLang="zh-TW" dirty="0"/>
+              <a:t>ATOM</a:t>
+            </a:r>
+          </a:p>
+          <a:p>
+            <a:r>
+              <a:rPr lang="en-US" altLang="zh-TW" dirty="0"/>
+              <a:t>BOND</a:t>
+            </a:r>
+          </a:p>
+          <a:p>
+            <a:r>
+              <a:rPr lang="en-US" altLang="zh-TW" dirty="0"/>
+              <a:t>ANGLE</a:t>
+            </a:r>
+          </a:p>
+          <a:p>
+            <a:r>
+              <a:rPr lang="en-US" altLang="zh-TW" dirty="0"/>
+              <a:t>DIHEDRAL</a:t>
+            </a:r>
+          </a:p>
+          <a:p>
+            <a:r>
+              <a:rPr lang="en-US" altLang="zh-TW" dirty="0"/>
+              <a:t>IP</a:t>
+            </a:r>
+          </a:p>
+          <a:p>
+            <a:r>
+              <a:rPr lang="en-US" altLang="zh-TW" dirty="0"/>
+              <a:t>NBFIX</a:t>
             </a:r>
             <a:endParaRPr lang="zh-TW" altLang="en-US" dirty="0"/>
           </a:p>
@@ -6219,7 +6494,15 @@
             </a:r>
             <a:r>
               <a:rPr lang="en-US" altLang="zh-TW" dirty="0"/>
-              <a:t> charmm2lammps.pl 1_25 5_ionzied -</a:t>
+              <a:t> </a:t>
+            </a:r>
+            <a:r>
+              <a:rPr lang="en-US" altLang="zh-TW" b="1" dirty="0"/>
+              <a:t>charmm2lammps.pl </a:t>
+            </a:r>
+            <a:r>
+              <a:rPr lang="en-US" altLang="zh-TW" dirty="0"/>
+              <a:t>1_25 5_ionzied -</a:t>
             </a:r>
             <a:r>
               <a:rPr lang="en-US" altLang="zh-TW" dirty="0" err="1"/>
@@ -6235,7 +6518,25 @@
               <a:rPr lang="en-US" altLang="zh-TW" dirty="0"/>
               <a:t>Error?</a:t>
             </a:r>
-            <a:endParaRPr lang="zh-TW" altLang="en-US" dirty="0"/>
+          </a:p>
+          <a:p>
+            <a:r>
+              <a:rPr lang="en-US" altLang="zh-TW" dirty="0"/>
+              <a:t>topo </a:t>
+            </a:r>
+            <a:r>
+              <a:rPr lang="en-US" altLang="zh-TW" dirty="0" err="1"/>
+              <a:t>readlammpsdata</a:t>
+            </a:r>
+            <a:r>
+              <a:rPr lang="en-US" altLang="zh-TW" dirty="0"/>
+              <a:t> </a:t>
+            </a:r>
+            <a:r>
+              <a:rPr lang="en-US" altLang="zh-TW" dirty="0" err="1"/>
+              <a:t>xxx.data</a:t>
+            </a:r>
+            <a:endParaRPr lang="en-US" altLang="zh-TW" dirty="0"/>
           </a:p>
         </p:txBody>
       </p:sp>
